--- a/leetcode.pptx
+++ b/leetcode.pptx
@@ -6,6 +6,7 @@
   </p:sldMasterIdLst>
   <p:sldIdLst>
     <p:sldId id="256" r:id="rId2"/>
+    <p:sldId id="257" r:id="rId3"/>
   </p:sldIdLst>
   <p:sldSz cx="12192000" cy="6858000"/>
   <p:notesSz cx="6858000" cy="9144000"/>
@@ -104,6 +105,11 @@
       </a:defRPr>
     </a:lvl9pPr>
   </p:defaultTextStyle>
+  <p:extLst>
+    <p:ext uri="{EFAFB233-063F-42B5-8137-9DF3F51BA10A}">
+      <p15:sldGuideLst xmlns:p15="http://schemas.microsoft.com/office/powerpoint/2012/main"/>
+    </p:ext>
+  </p:extLst>
 </p:presentation>
 </file>
 
@@ -254,7 +260,7 @@
           <a:p>
             <a:fld id="{2D0B24E7-0602-42A9-B4D3-6DF789917AD3}" type="datetimeFigureOut">
               <a:rPr lang="zh-CN" altLang="en-US" smtClean="0"/>
-              <a:t>2021/6/13</a:t>
+              <a:t>2021/7/9</a:t>
             </a:fld>
             <a:endParaRPr lang="zh-CN" altLang="en-US"/>
           </a:p>
@@ -452,7 +458,7 @@
           <a:p>
             <a:fld id="{2D0B24E7-0602-42A9-B4D3-6DF789917AD3}" type="datetimeFigureOut">
               <a:rPr lang="zh-CN" altLang="en-US" smtClean="0"/>
-              <a:t>2021/6/13</a:t>
+              <a:t>2021/7/9</a:t>
             </a:fld>
             <a:endParaRPr lang="zh-CN" altLang="en-US"/>
           </a:p>
@@ -660,7 +666,7 @@
           <a:p>
             <a:fld id="{2D0B24E7-0602-42A9-B4D3-6DF789917AD3}" type="datetimeFigureOut">
               <a:rPr lang="zh-CN" altLang="en-US" smtClean="0"/>
-              <a:t>2021/6/13</a:t>
+              <a:t>2021/7/9</a:t>
             </a:fld>
             <a:endParaRPr lang="zh-CN" altLang="en-US"/>
           </a:p>
@@ -858,7 +864,7 @@
           <a:p>
             <a:fld id="{2D0B24E7-0602-42A9-B4D3-6DF789917AD3}" type="datetimeFigureOut">
               <a:rPr lang="zh-CN" altLang="en-US" smtClean="0"/>
-              <a:t>2021/6/13</a:t>
+              <a:t>2021/7/9</a:t>
             </a:fld>
             <a:endParaRPr lang="zh-CN" altLang="en-US"/>
           </a:p>
@@ -1133,7 +1139,7 @@
           <a:p>
             <a:fld id="{2D0B24E7-0602-42A9-B4D3-6DF789917AD3}" type="datetimeFigureOut">
               <a:rPr lang="zh-CN" altLang="en-US" smtClean="0"/>
-              <a:t>2021/6/13</a:t>
+              <a:t>2021/7/9</a:t>
             </a:fld>
             <a:endParaRPr lang="zh-CN" altLang="en-US"/>
           </a:p>
@@ -1398,7 +1404,7 @@
           <a:p>
             <a:fld id="{2D0B24E7-0602-42A9-B4D3-6DF789917AD3}" type="datetimeFigureOut">
               <a:rPr lang="zh-CN" altLang="en-US" smtClean="0"/>
-              <a:t>2021/6/13</a:t>
+              <a:t>2021/7/9</a:t>
             </a:fld>
             <a:endParaRPr lang="zh-CN" altLang="en-US"/>
           </a:p>
@@ -1810,7 +1816,7 @@
           <a:p>
             <a:fld id="{2D0B24E7-0602-42A9-B4D3-6DF789917AD3}" type="datetimeFigureOut">
               <a:rPr lang="zh-CN" altLang="en-US" smtClean="0"/>
-              <a:t>2021/6/13</a:t>
+              <a:t>2021/7/9</a:t>
             </a:fld>
             <a:endParaRPr lang="zh-CN" altLang="en-US"/>
           </a:p>
@@ -1951,7 +1957,7 @@
           <a:p>
             <a:fld id="{2D0B24E7-0602-42A9-B4D3-6DF789917AD3}" type="datetimeFigureOut">
               <a:rPr lang="zh-CN" altLang="en-US" smtClean="0"/>
-              <a:t>2021/6/13</a:t>
+              <a:t>2021/7/9</a:t>
             </a:fld>
             <a:endParaRPr lang="zh-CN" altLang="en-US"/>
           </a:p>
@@ -2064,7 +2070,7 @@
           <a:p>
             <a:fld id="{2D0B24E7-0602-42A9-B4D3-6DF789917AD3}" type="datetimeFigureOut">
               <a:rPr lang="zh-CN" altLang="en-US" smtClean="0"/>
-              <a:t>2021/6/13</a:t>
+              <a:t>2021/7/9</a:t>
             </a:fld>
             <a:endParaRPr lang="zh-CN" altLang="en-US"/>
           </a:p>
@@ -2375,7 +2381,7 @@
           <a:p>
             <a:fld id="{2D0B24E7-0602-42A9-B4D3-6DF789917AD3}" type="datetimeFigureOut">
               <a:rPr lang="zh-CN" altLang="en-US" smtClean="0"/>
-              <a:t>2021/6/13</a:t>
+              <a:t>2021/7/9</a:t>
             </a:fld>
             <a:endParaRPr lang="zh-CN" altLang="en-US"/>
           </a:p>
@@ -2663,7 +2669,7 @@
           <a:p>
             <a:fld id="{2D0B24E7-0602-42A9-B4D3-6DF789917AD3}" type="datetimeFigureOut">
               <a:rPr lang="zh-CN" altLang="en-US" smtClean="0"/>
-              <a:t>2021/6/13</a:t>
+              <a:t>2021/7/9</a:t>
             </a:fld>
             <a:endParaRPr lang="zh-CN" altLang="en-US"/>
           </a:p>
@@ -2904,7 +2910,7 @@
           <a:p>
             <a:fld id="{2D0B24E7-0602-42A9-B4D3-6DF789917AD3}" type="datetimeFigureOut">
               <a:rPr lang="zh-CN" altLang="en-US" smtClean="0"/>
-              <a:t>2021/6/13</a:t>
+              <a:t>2021/7/9</a:t>
             </a:fld>
             <a:endParaRPr lang="zh-CN" altLang="en-US"/>
           </a:p>
@@ -4733,6 +4739,995 @@
 </p:sld>
 </file>
 
+<file path=ppt/slides/slide2.xml><?xml version="1.0" encoding="utf-8"?>
+<p:sld xmlns:a="http://schemas.openxmlformats.org/drawingml/2006/main" xmlns:r="http://schemas.openxmlformats.org/officeDocument/2006/relationships" xmlns:p="http://schemas.openxmlformats.org/presentationml/2006/main">
+  <p:cSld>
+    <p:spTree>
+      <p:nvGrpSpPr>
+        <p:cNvPr id="1" name=""/>
+        <p:cNvGrpSpPr/>
+        <p:nvPr/>
+      </p:nvGrpSpPr>
+      <p:grpSpPr>
+        <a:xfrm>
+          <a:off x="0" y="0"/>
+          <a:ext cx="0" cy="0"/>
+          <a:chOff x="0" y="0"/>
+          <a:chExt cx="0" cy="0"/>
+        </a:xfrm>
+      </p:grpSpPr>
+      <p:sp>
+        <p:nvSpPr>
+          <p:cNvPr id="2" name="流程图: 接点 1">
+            <a:extLst>
+              <a:ext uri="{FF2B5EF4-FFF2-40B4-BE49-F238E27FC236}">
+                <a16:creationId xmlns:a16="http://schemas.microsoft.com/office/drawing/2014/main" id="{4866E277-3CAE-4F7E-8AAF-A4426DB44BAC}"/>
+              </a:ext>
+            </a:extLst>
+          </p:cNvPr>
+          <p:cNvSpPr/>
+          <p:nvPr/>
+        </p:nvSpPr>
+        <p:spPr>
+          <a:xfrm>
+            <a:off x="1455313" y="2279561"/>
+            <a:ext cx="270456" cy="257577"/>
+          </a:xfrm>
+          <a:prstGeom prst="flowChartConnector">
+            <a:avLst/>
+          </a:prstGeom>
+        </p:spPr>
+        <p:style>
+          <a:lnRef idx="2">
+            <a:schemeClr val="accent1">
+              <a:shade val="50000"/>
+            </a:schemeClr>
+          </a:lnRef>
+          <a:fillRef idx="1">
+            <a:schemeClr val="accent1"/>
+          </a:fillRef>
+          <a:effectRef idx="0">
+            <a:schemeClr val="accent1"/>
+          </a:effectRef>
+          <a:fontRef idx="minor">
+            <a:schemeClr val="lt1"/>
+          </a:fontRef>
+        </p:style>
+        <p:txBody>
+          <a:bodyPr rtlCol="0" anchor="ctr"/>
+          <a:lstStyle/>
+          <a:p>
+            <a:pPr algn="ctr"/>
+            <a:endParaRPr lang="zh-CN" altLang="en-US"/>
+          </a:p>
+        </p:txBody>
+      </p:sp>
+      <p:sp>
+        <p:nvSpPr>
+          <p:cNvPr id="3" name="流程图: 接点 2">
+            <a:extLst>
+              <a:ext uri="{FF2B5EF4-FFF2-40B4-BE49-F238E27FC236}">
+                <a16:creationId xmlns:a16="http://schemas.microsoft.com/office/drawing/2014/main" id="{CA0A240C-B5FB-409A-B761-5742B3C26CF0}"/>
+              </a:ext>
+            </a:extLst>
+          </p:cNvPr>
+          <p:cNvSpPr/>
+          <p:nvPr/>
+        </p:nvSpPr>
+        <p:spPr>
+          <a:xfrm>
+            <a:off x="2213020" y="2279561"/>
+            <a:ext cx="270456" cy="257577"/>
+          </a:xfrm>
+          <a:prstGeom prst="flowChartConnector">
+            <a:avLst/>
+          </a:prstGeom>
+          <a:solidFill>
+            <a:srgbClr val="FF0000"/>
+          </a:solidFill>
+        </p:spPr>
+        <p:style>
+          <a:lnRef idx="2">
+            <a:schemeClr val="accent1">
+              <a:shade val="50000"/>
+            </a:schemeClr>
+          </a:lnRef>
+          <a:fillRef idx="1">
+            <a:schemeClr val="accent1"/>
+          </a:fillRef>
+          <a:effectRef idx="0">
+            <a:schemeClr val="accent1"/>
+          </a:effectRef>
+          <a:fontRef idx="minor">
+            <a:schemeClr val="lt1"/>
+          </a:fontRef>
+        </p:style>
+        <p:txBody>
+          <a:bodyPr rtlCol="0" anchor="ctr"/>
+          <a:lstStyle/>
+          <a:p>
+            <a:pPr algn="ctr"/>
+            <a:endParaRPr lang="zh-CN" altLang="en-US" dirty="0">
+              <a:solidFill>
+                <a:srgbClr val="FF0000"/>
+              </a:solidFill>
+              <a:highlight>
+                <a:srgbClr val="FF0000"/>
+              </a:highlight>
+            </a:endParaRPr>
+          </a:p>
+        </p:txBody>
+      </p:sp>
+      <p:sp>
+        <p:nvSpPr>
+          <p:cNvPr id="4" name="流程图: 接点 3">
+            <a:extLst>
+              <a:ext uri="{FF2B5EF4-FFF2-40B4-BE49-F238E27FC236}">
+                <a16:creationId xmlns:a16="http://schemas.microsoft.com/office/drawing/2014/main" id="{FAC07DE2-9649-4C79-8DED-D6192FFCB37A}"/>
+              </a:ext>
+            </a:extLst>
+          </p:cNvPr>
+          <p:cNvSpPr/>
+          <p:nvPr/>
+        </p:nvSpPr>
+        <p:spPr>
+          <a:xfrm>
+            <a:off x="2996485" y="2292440"/>
+            <a:ext cx="270456" cy="257577"/>
+          </a:xfrm>
+          <a:prstGeom prst="flowChartConnector">
+            <a:avLst/>
+          </a:prstGeom>
+        </p:spPr>
+        <p:style>
+          <a:lnRef idx="2">
+            <a:schemeClr val="accent1">
+              <a:shade val="50000"/>
+            </a:schemeClr>
+          </a:lnRef>
+          <a:fillRef idx="1">
+            <a:schemeClr val="accent1"/>
+          </a:fillRef>
+          <a:effectRef idx="0">
+            <a:schemeClr val="accent1"/>
+          </a:effectRef>
+          <a:fontRef idx="minor">
+            <a:schemeClr val="lt1"/>
+          </a:fontRef>
+        </p:style>
+        <p:txBody>
+          <a:bodyPr rtlCol="0" anchor="ctr"/>
+          <a:lstStyle/>
+          <a:p>
+            <a:pPr algn="ctr"/>
+            <a:endParaRPr lang="zh-CN" altLang="en-US"/>
+          </a:p>
+        </p:txBody>
+      </p:sp>
+      <p:sp>
+        <p:nvSpPr>
+          <p:cNvPr id="5" name="流程图: 接点 4">
+            <a:extLst>
+              <a:ext uri="{FF2B5EF4-FFF2-40B4-BE49-F238E27FC236}">
+                <a16:creationId xmlns:a16="http://schemas.microsoft.com/office/drawing/2014/main" id="{D3D57C80-B1F5-4F3E-9ABC-00F34812AE13}"/>
+              </a:ext>
+            </a:extLst>
+          </p:cNvPr>
+          <p:cNvSpPr/>
+          <p:nvPr/>
+        </p:nvSpPr>
+        <p:spPr>
+          <a:xfrm>
+            <a:off x="3840052" y="2292440"/>
+            <a:ext cx="270456" cy="257577"/>
+          </a:xfrm>
+          <a:prstGeom prst="flowChartConnector">
+            <a:avLst/>
+          </a:prstGeom>
+        </p:spPr>
+        <p:style>
+          <a:lnRef idx="2">
+            <a:schemeClr val="accent1">
+              <a:shade val="50000"/>
+            </a:schemeClr>
+          </a:lnRef>
+          <a:fillRef idx="1">
+            <a:schemeClr val="accent1"/>
+          </a:fillRef>
+          <a:effectRef idx="0">
+            <a:schemeClr val="accent1"/>
+          </a:effectRef>
+          <a:fontRef idx="minor">
+            <a:schemeClr val="lt1"/>
+          </a:fontRef>
+        </p:style>
+        <p:txBody>
+          <a:bodyPr rtlCol="0" anchor="ctr"/>
+          <a:lstStyle/>
+          <a:p>
+            <a:pPr algn="ctr"/>
+            <a:endParaRPr lang="zh-CN" altLang="en-US" dirty="0"/>
+          </a:p>
+        </p:txBody>
+      </p:sp>
+      <p:sp>
+        <p:nvSpPr>
+          <p:cNvPr id="6" name="流程图: 接点 5">
+            <a:extLst>
+              <a:ext uri="{FF2B5EF4-FFF2-40B4-BE49-F238E27FC236}">
+                <a16:creationId xmlns:a16="http://schemas.microsoft.com/office/drawing/2014/main" id="{2827D327-C90D-4155-A8A9-01A1F8037528}"/>
+              </a:ext>
+            </a:extLst>
+          </p:cNvPr>
+          <p:cNvSpPr/>
+          <p:nvPr/>
+        </p:nvSpPr>
+        <p:spPr>
+          <a:xfrm>
+            <a:off x="4683619" y="2292440"/>
+            <a:ext cx="270456" cy="257577"/>
+          </a:xfrm>
+          <a:prstGeom prst="flowChartConnector">
+            <a:avLst/>
+          </a:prstGeom>
+          <a:solidFill>
+            <a:srgbClr val="FFFF00"/>
+          </a:solidFill>
+        </p:spPr>
+        <p:style>
+          <a:lnRef idx="2">
+            <a:schemeClr val="accent1">
+              <a:shade val="50000"/>
+            </a:schemeClr>
+          </a:lnRef>
+          <a:fillRef idx="1">
+            <a:schemeClr val="accent1"/>
+          </a:fillRef>
+          <a:effectRef idx="0">
+            <a:schemeClr val="accent1"/>
+          </a:effectRef>
+          <a:fontRef idx="minor">
+            <a:schemeClr val="lt1"/>
+          </a:fontRef>
+        </p:style>
+        <p:txBody>
+          <a:bodyPr rtlCol="0" anchor="ctr"/>
+          <a:lstStyle/>
+          <a:p>
+            <a:pPr algn="ctr"/>
+            <a:endParaRPr lang="zh-CN" altLang="en-US" dirty="0"/>
+          </a:p>
+        </p:txBody>
+      </p:sp>
+      <p:sp>
+        <p:nvSpPr>
+          <p:cNvPr id="7" name="流程图: 接点 6">
+            <a:extLst>
+              <a:ext uri="{FF2B5EF4-FFF2-40B4-BE49-F238E27FC236}">
+                <a16:creationId xmlns:a16="http://schemas.microsoft.com/office/drawing/2014/main" id="{538D6222-C913-4C07-AE4E-9B8624C76CC7}"/>
+              </a:ext>
+            </a:extLst>
+          </p:cNvPr>
+          <p:cNvSpPr/>
+          <p:nvPr/>
+        </p:nvSpPr>
+        <p:spPr>
+          <a:xfrm>
+            <a:off x="5527186" y="2279561"/>
+            <a:ext cx="270456" cy="257577"/>
+          </a:xfrm>
+          <a:prstGeom prst="flowChartConnector">
+            <a:avLst/>
+          </a:prstGeom>
+        </p:spPr>
+        <p:style>
+          <a:lnRef idx="2">
+            <a:schemeClr val="accent1">
+              <a:shade val="50000"/>
+            </a:schemeClr>
+          </a:lnRef>
+          <a:fillRef idx="1">
+            <a:schemeClr val="accent1"/>
+          </a:fillRef>
+          <a:effectRef idx="0">
+            <a:schemeClr val="accent1"/>
+          </a:effectRef>
+          <a:fontRef idx="minor">
+            <a:schemeClr val="lt1"/>
+          </a:fontRef>
+        </p:style>
+        <p:txBody>
+          <a:bodyPr rtlCol="0" anchor="ctr"/>
+          <a:lstStyle>
+            <a:defPPr>
+              <a:defRPr lang="zh-CN"/>
+            </a:defPPr>
+            <a:lvl1pPr marL="0" algn="l" defTabSz="914400" rtl="0" eaLnBrk="1" latinLnBrk="0" hangingPunct="1">
+              <a:defRPr sz="1800" kern="1200">
+                <a:solidFill>
+                  <a:schemeClr val="lt1"/>
+                </a:solidFill>
+                <a:latin typeface="+mn-lt"/>
+                <a:ea typeface="+mn-ea"/>
+                <a:cs typeface="+mn-cs"/>
+              </a:defRPr>
+            </a:lvl1pPr>
+            <a:lvl2pPr marL="457200" algn="l" defTabSz="914400" rtl="0" eaLnBrk="1" latinLnBrk="0" hangingPunct="1">
+              <a:defRPr sz="1800" kern="1200">
+                <a:solidFill>
+                  <a:schemeClr val="lt1"/>
+                </a:solidFill>
+                <a:latin typeface="+mn-lt"/>
+                <a:ea typeface="+mn-ea"/>
+                <a:cs typeface="+mn-cs"/>
+              </a:defRPr>
+            </a:lvl2pPr>
+            <a:lvl3pPr marL="914400" algn="l" defTabSz="914400" rtl="0" eaLnBrk="1" latinLnBrk="0" hangingPunct="1">
+              <a:defRPr sz="1800" kern="1200">
+                <a:solidFill>
+                  <a:schemeClr val="lt1"/>
+                </a:solidFill>
+                <a:latin typeface="+mn-lt"/>
+                <a:ea typeface="+mn-ea"/>
+                <a:cs typeface="+mn-cs"/>
+              </a:defRPr>
+            </a:lvl3pPr>
+            <a:lvl4pPr marL="1371600" algn="l" defTabSz="914400" rtl="0" eaLnBrk="1" latinLnBrk="0" hangingPunct="1">
+              <a:defRPr sz="1800" kern="1200">
+                <a:solidFill>
+                  <a:schemeClr val="lt1"/>
+                </a:solidFill>
+                <a:latin typeface="+mn-lt"/>
+                <a:ea typeface="+mn-ea"/>
+                <a:cs typeface="+mn-cs"/>
+              </a:defRPr>
+            </a:lvl4pPr>
+            <a:lvl5pPr marL="1828800" algn="l" defTabSz="914400" rtl="0" eaLnBrk="1" latinLnBrk="0" hangingPunct="1">
+              <a:defRPr sz="1800" kern="1200">
+                <a:solidFill>
+                  <a:schemeClr val="lt1"/>
+                </a:solidFill>
+                <a:latin typeface="+mn-lt"/>
+                <a:ea typeface="+mn-ea"/>
+                <a:cs typeface="+mn-cs"/>
+              </a:defRPr>
+            </a:lvl5pPr>
+            <a:lvl6pPr marL="2286000" algn="l" defTabSz="914400" rtl="0" eaLnBrk="1" latinLnBrk="0" hangingPunct="1">
+              <a:defRPr sz="1800" kern="1200">
+                <a:solidFill>
+                  <a:schemeClr val="lt1"/>
+                </a:solidFill>
+                <a:latin typeface="+mn-lt"/>
+                <a:ea typeface="+mn-ea"/>
+                <a:cs typeface="+mn-cs"/>
+              </a:defRPr>
+            </a:lvl6pPr>
+            <a:lvl7pPr marL="2743200" algn="l" defTabSz="914400" rtl="0" eaLnBrk="1" latinLnBrk="0" hangingPunct="1">
+              <a:defRPr sz="1800" kern="1200">
+                <a:solidFill>
+                  <a:schemeClr val="lt1"/>
+                </a:solidFill>
+                <a:latin typeface="+mn-lt"/>
+                <a:ea typeface="+mn-ea"/>
+                <a:cs typeface="+mn-cs"/>
+              </a:defRPr>
+            </a:lvl7pPr>
+            <a:lvl8pPr marL="3200400" algn="l" defTabSz="914400" rtl="0" eaLnBrk="1" latinLnBrk="0" hangingPunct="1">
+              <a:defRPr sz="1800" kern="1200">
+                <a:solidFill>
+                  <a:schemeClr val="lt1"/>
+                </a:solidFill>
+                <a:latin typeface="+mn-lt"/>
+                <a:ea typeface="+mn-ea"/>
+                <a:cs typeface="+mn-cs"/>
+              </a:defRPr>
+            </a:lvl8pPr>
+            <a:lvl9pPr marL="3657600" algn="l" defTabSz="914400" rtl="0" eaLnBrk="1" latinLnBrk="0" hangingPunct="1">
+              <a:defRPr sz="1800" kern="1200">
+                <a:solidFill>
+                  <a:schemeClr val="lt1"/>
+                </a:solidFill>
+                <a:latin typeface="+mn-lt"/>
+                <a:ea typeface="+mn-ea"/>
+                <a:cs typeface="+mn-cs"/>
+              </a:defRPr>
+            </a:lvl9pPr>
+          </a:lstStyle>
+          <a:p>
+            <a:pPr algn="ctr"/>
+            <a:endParaRPr lang="zh-CN" altLang="en-US"/>
+          </a:p>
+        </p:txBody>
+      </p:sp>
+      <p:sp>
+        <p:nvSpPr>
+          <p:cNvPr id="8" name="流程图: 接点 7">
+            <a:extLst>
+              <a:ext uri="{FF2B5EF4-FFF2-40B4-BE49-F238E27FC236}">
+                <a16:creationId xmlns:a16="http://schemas.microsoft.com/office/drawing/2014/main" id="{650D96BB-D2FB-4E35-A11D-E1A140D386BB}"/>
+              </a:ext>
+            </a:extLst>
+          </p:cNvPr>
+          <p:cNvSpPr/>
+          <p:nvPr/>
+        </p:nvSpPr>
+        <p:spPr>
+          <a:xfrm>
+            <a:off x="6394360" y="2292440"/>
+            <a:ext cx="270456" cy="257577"/>
+          </a:xfrm>
+          <a:prstGeom prst="flowChartConnector">
+            <a:avLst/>
+          </a:prstGeom>
+        </p:spPr>
+        <p:style>
+          <a:lnRef idx="2">
+            <a:schemeClr val="accent1">
+              <a:shade val="50000"/>
+            </a:schemeClr>
+          </a:lnRef>
+          <a:fillRef idx="1">
+            <a:schemeClr val="accent1"/>
+          </a:fillRef>
+          <a:effectRef idx="0">
+            <a:schemeClr val="accent1"/>
+          </a:effectRef>
+          <a:fontRef idx="minor">
+            <a:schemeClr val="lt1"/>
+          </a:fontRef>
+        </p:style>
+        <p:txBody>
+          <a:bodyPr rtlCol="0" anchor="ctr"/>
+          <a:lstStyle>
+            <a:defPPr>
+              <a:defRPr lang="zh-CN"/>
+            </a:defPPr>
+            <a:lvl1pPr marL="0" algn="l" defTabSz="914400" rtl="0" eaLnBrk="1" latinLnBrk="0" hangingPunct="1">
+              <a:defRPr sz="1800" kern="1200">
+                <a:solidFill>
+                  <a:schemeClr val="lt1"/>
+                </a:solidFill>
+                <a:latin typeface="+mn-lt"/>
+                <a:ea typeface="+mn-ea"/>
+                <a:cs typeface="+mn-cs"/>
+              </a:defRPr>
+            </a:lvl1pPr>
+            <a:lvl2pPr marL="457200" algn="l" defTabSz="914400" rtl="0" eaLnBrk="1" latinLnBrk="0" hangingPunct="1">
+              <a:defRPr sz="1800" kern="1200">
+                <a:solidFill>
+                  <a:schemeClr val="lt1"/>
+                </a:solidFill>
+                <a:latin typeface="+mn-lt"/>
+                <a:ea typeface="+mn-ea"/>
+                <a:cs typeface="+mn-cs"/>
+              </a:defRPr>
+            </a:lvl2pPr>
+            <a:lvl3pPr marL="914400" algn="l" defTabSz="914400" rtl="0" eaLnBrk="1" latinLnBrk="0" hangingPunct="1">
+              <a:defRPr sz="1800" kern="1200">
+                <a:solidFill>
+                  <a:schemeClr val="lt1"/>
+                </a:solidFill>
+                <a:latin typeface="+mn-lt"/>
+                <a:ea typeface="+mn-ea"/>
+                <a:cs typeface="+mn-cs"/>
+              </a:defRPr>
+            </a:lvl3pPr>
+            <a:lvl4pPr marL="1371600" algn="l" defTabSz="914400" rtl="0" eaLnBrk="1" latinLnBrk="0" hangingPunct="1">
+              <a:defRPr sz="1800" kern="1200">
+                <a:solidFill>
+                  <a:schemeClr val="lt1"/>
+                </a:solidFill>
+                <a:latin typeface="+mn-lt"/>
+                <a:ea typeface="+mn-ea"/>
+                <a:cs typeface="+mn-cs"/>
+              </a:defRPr>
+            </a:lvl4pPr>
+            <a:lvl5pPr marL="1828800" algn="l" defTabSz="914400" rtl="0" eaLnBrk="1" latinLnBrk="0" hangingPunct="1">
+              <a:defRPr sz="1800" kern="1200">
+                <a:solidFill>
+                  <a:schemeClr val="lt1"/>
+                </a:solidFill>
+                <a:latin typeface="+mn-lt"/>
+                <a:ea typeface="+mn-ea"/>
+                <a:cs typeface="+mn-cs"/>
+              </a:defRPr>
+            </a:lvl5pPr>
+            <a:lvl6pPr marL="2286000" algn="l" defTabSz="914400" rtl="0" eaLnBrk="1" latinLnBrk="0" hangingPunct="1">
+              <a:defRPr sz="1800" kern="1200">
+                <a:solidFill>
+                  <a:schemeClr val="lt1"/>
+                </a:solidFill>
+                <a:latin typeface="+mn-lt"/>
+                <a:ea typeface="+mn-ea"/>
+                <a:cs typeface="+mn-cs"/>
+              </a:defRPr>
+            </a:lvl6pPr>
+            <a:lvl7pPr marL="2743200" algn="l" defTabSz="914400" rtl="0" eaLnBrk="1" latinLnBrk="0" hangingPunct="1">
+              <a:defRPr sz="1800" kern="1200">
+                <a:solidFill>
+                  <a:schemeClr val="lt1"/>
+                </a:solidFill>
+                <a:latin typeface="+mn-lt"/>
+                <a:ea typeface="+mn-ea"/>
+                <a:cs typeface="+mn-cs"/>
+              </a:defRPr>
+            </a:lvl7pPr>
+            <a:lvl8pPr marL="3200400" algn="l" defTabSz="914400" rtl="0" eaLnBrk="1" latinLnBrk="0" hangingPunct="1">
+              <a:defRPr sz="1800" kern="1200">
+                <a:solidFill>
+                  <a:schemeClr val="lt1"/>
+                </a:solidFill>
+                <a:latin typeface="+mn-lt"/>
+                <a:ea typeface="+mn-ea"/>
+                <a:cs typeface="+mn-cs"/>
+              </a:defRPr>
+            </a:lvl8pPr>
+            <a:lvl9pPr marL="3657600" algn="l" defTabSz="914400" rtl="0" eaLnBrk="1" latinLnBrk="0" hangingPunct="1">
+              <a:defRPr sz="1800" kern="1200">
+                <a:solidFill>
+                  <a:schemeClr val="lt1"/>
+                </a:solidFill>
+                <a:latin typeface="+mn-lt"/>
+                <a:ea typeface="+mn-ea"/>
+                <a:cs typeface="+mn-cs"/>
+              </a:defRPr>
+            </a:lvl9pPr>
+          </a:lstStyle>
+          <a:p>
+            <a:pPr algn="ctr"/>
+            <a:endParaRPr lang="zh-CN" altLang="en-US"/>
+          </a:p>
+        </p:txBody>
+      </p:sp>
+      <p:sp>
+        <p:nvSpPr>
+          <p:cNvPr id="9" name="文本框 8">
+            <a:extLst>
+              <a:ext uri="{FF2B5EF4-FFF2-40B4-BE49-F238E27FC236}">
+                <a16:creationId xmlns:a16="http://schemas.microsoft.com/office/drawing/2014/main" id="{633038B1-BF6E-48EF-ABD8-B86BD2B97B17}"/>
+              </a:ext>
+            </a:extLst>
+          </p:cNvPr>
+          <p:cNvSpPr txBox="1"/>
+          <p:nvPr/>
+        </p:nvSpPr>
+        <p:spPr>
+          <a:xfrm>
+            <a:off x="1455313" y="3142444"/>
+            <a:ext cx="5563673" cy="1754326"/>
+          </a:xfrm>
+          <a:prstGeom prst="rect">
+            <a:avLst/>
+          </a:prstGeom>
+          <a:noFill/>
+        </p:spPr>
+        <p:txBody>
+          <a:bodyPr wrap="square" rtlCol="0">
+            <a:spAutoFit/>
+          </a:bodyPr>
+          <a:lstStyle/>
+          <a:p>
+            <a:r>
+              <a:rPr lang="zh-CN" altLang="en-US" dirty="0"/>
+              <a:t>我们在红球位置</a:t>
+            </a:r>
+            <a:r>
+              <a:rPr lang="en-US" altLang="zh-CN" dirty="0"/>
+              <a:t>(cur=1)</a:t>
+            </a:r>
+            <a:r>
+              <a:rPr lang="zh-CN" altLang="en-US" dirty="0"/>
+              <a:t>，要左移 </a:t>
+            </a:r>
+            <a:r>
+              <a:rPr lang="en-US" altLang="zh-CN" dirty="0"/>
+              <a:t>11 </a:t>
+            </a:r>
+            <a:r>
+              <a:rPr lang="zh-CN" altLang="en-US" dirty="0"/>
+              <a:t>步 </a:t>
+            </a:r>
+            <a:r>
+              <a:rPr lang="en-US" altLang="zh-CN" dirty="0"/>
+              <a:t>(-11)</a:t>
+            </a:r>
+            <a:r>
+              <a:rPr lang="zh-CN" altLang="en-US" dirty="0"/>
+              <a:t>。最终是停留在黄球位置， 从红球位置回到红球位置需要 </a:t>
+            </a:r>
+            <a:r>
+              <a:rPr lang="en-US" altLang="zh-CN" dirty="0"/>
+              <a:t>n </a:t>
+            </a:r>
+            <a:r>
+              <a:rPr lang="zh-CN" altLang="en-US" dirty="0"/>
+              <a:t>步， 也就说明 </a:t>
+            </a:r>
+            <a:r>
+              <a:rPr lang="en-US" altLang="zh-CN" dirty="0"/>
+              <a:t>-11 % 7 == 3, </a:t>
+            </a:r>
+            <a:r>
+              <a:rPr lang="zh-CN" altLang="en-US" dirty="0"/>
+              <a:t>表示结束位置离原点还差 </a:t>
+            </a:r>
+            <a:r>
+              <a:rPr lang="en-US" altLang="zh-CN" dirty="0"/>
+              <a:t>3 </a:t>
+            </a:r>
+            <a:r>
+              <a:rPr lang="zh-CN" altLang="en-US" dirty="0"/>
+              <a:t>个球，再由于出发点的索引是 </a:t>
+            </a:r>
+            <a:r>
+              <a:rPr lang="en-US" altLang="zh-CN" dirty="0"/>
+              <a:t>1</a:t>
+            </a:r>
+            <a:r>
+              <a:rPr lang="zh-CN" altLang="en-US" dirty="0"/>
+              <a:t>， 所以最终的索引位置也就是 </a:t>
+            </a:r>
+            <a:r>
+              <a:rPr lang="en-US" altLang="zh-CN" dirty="0"/>
+              <a:t>1 + 3 = 4, </a:t>
+            </a:r>
+            <a:r>
+              <a:rPr lang="zh-CN" altLang="en-US" dirty="0"/>
+              <a:t>再利用 取余运算的线性性，即 </a:t>
+            </a:r>
+            <a:r>
+              <a:rPr lang="en-US" altLang="zh-CN" dirty="0"/>
+              <a:t>4 ==</a:t>
+            </a:r>
+            <a:r>
+              <a:rPr lang="zh-CN" altLang="en-US" dirty="0"/>
+              <a:t>（</a:t>
+            </a:r>
+            <a:r>
+              <a:rPr lang="en-US" altLang="zh-CN" dirty="0"/>
+              <a:t>1 - 11</a:t>
+            </a:r>
+            <a:r>
+              <a:rPr lang="zh-CN" altLang="en-US" dirty="0"/>
+              <a:t>）</a:t>
+            </a:r>
+            <a:r>
+              <a:rPr lang="en-US" altLang="zh-CN" dirty="0"/>
+              <a:t>% 7</a:t>
+            </a:r>
+            <a:r>
+              <a:rPr lang="zh-CN" altLang="en-US" dirty="0"/>
+              <a:t>。这也就是外我们情况</a:t>
+            </a:r>
+            <a:r>
+              <a:rPr lang="en-US" altLang="zh-CN" dirty="0"/>
+              <a:t>3</a:t>
+            </a:r>
+            <a:r>
+              <a:rPr lang="zh-CN" altLang="en-US" dirty="0"/>
+              <a:t>的公式了。</a:t>
+            </a:r>
+          </a:p>
+        </p:txBody>
+      </p:sp>
+      <p:sp>
+        <p:nvSpPr>
+          <p:cNvPr id="10" name="文本框 9">
+            <a:extLst>
+              <a:ext uri="{FF2B5EF4-FFF2-40B4-BE49-F238E27FC236}">
+                <a16:creationId xmlns:a16="http://schemas.microsoft.com/office/drawing/2014/main" id="{2125330C-257D-4AF2-8868-90B76810F2C2}"/>
+              </a:ext>
+            </a:extLst>
+          </p:cNvPr>
+          <p:cNvSpPr txBox="1"/>
+          <p:nvPr/>
+        </p:nvSpPr>
+        <p:spPr>
+          <a:xfrm>
+            <a:off x="1455313" y="2588654"/>
+            <a:ext cx="5473521" cy="369332"/>
+          </a:xfrm>
+          <a:prstGeom prst="rect">
+            <a:avLst/>
+          </a:prstGeom>
+          <a:noFill/>
+        </p:spPr>
+        <p:txBody>
+          <a:bodyPr wrap="square" rtlCol="0">
+            <a:spAutoFit/>
+          </a:bodyPr>
+          <a:lstStyle/>
+          <a:p>
+            <a:r>
+              <a:rPr lang="en-US" altLang="zh-CN" dirty="0"/>
+              <a:t>0          1           2            3            4            5            6</a:t>
+            </a:r>
+            <a:endParaRPr lang="zh-CN" altLang="en-US" dirty="0"/>
+          </a:p>
+        </p:txBody>
+      </p:sp>
+      <p:sp>
+        <p:nvSpPr>
+          <p:cNvPr id="11" name="文本框 10">
+            <a:extLst>
+              <a:ext uri="{FF2B5EF4-FFF2-40B4-BE49-F238E27FC236}">
+                <a16:creationId xmlns:a16="http://schemas.microsoft.com/office/drawing/2014/main" id="{E0BB4F83-F398-4D48-A459-3044DCDD5866}"/>
+              </a:ext>
+            </a:extLst>
+          </p:cNvPr>
+          <p:cNvSpPr txBox="1"/>
+          <p:nvPr/>
+        </p:nvSpPr>
+        <p:spPr>
+          <a:xfrm>
+            <a:off x="1161246" y="1830879"/>
+            <a:ext cx="5628068" cy="369332"/>
+          </a:xfrm>
+          <a:prstGeom prst="rect">
+            <a:avLst/>
+          </a:prstGeom>
+          <a:noFill/>
+        </p:spPr>
+        <p:txBody>
+          <a:bodyPr wrap="square" rtlCol="0">
+            <a:spAutoFit/>
+          </a:bodyPr>
+          <a:lstStyle/>
+          <a:p>
+            <a:r>
+              <a:rPr lang="en-US" altLang="zh-CN" dirty="0"/>
+              <a:t>     -1                  -6           -5         -4          -3           -2</a:t>
+            </a:r>
+            <a:endParaRPr lang="zh-CN" altLang="en-US" dirty="0"/>
+          </a:p>
+        </p:txBody>
+      </p:sp>
+      <p:sp>
+        <p:nvSpPr>
+          <p:cNvPr id="12" name="文本框 11">
+            <a:extLst>
+              <a:ext uri="{FF2B5EF4-FFF2-40B4-BE49-F238E27FC236}">
+                <a16:creationId xmlns:a16="http://schemas.microsoft.com/office/drawing/2014/main" id="{E83C32FD-AD9B-4EC7-9A9B-99341353C5A2}"/>
+              </a:ext>
+            </a:extLst>
+          </p:cNvPr>
+          <p:cNvSpPr txBox="1"/>
+          <p:nvPr/>
+        </p:nvSpPr>
+        <p:spPr>
+          <a:xfrm>
+            <a:off x="496911" y="1442436"/>
+            <a:ext cx="721216" cy="646331"/>
+          </a:xfrm>
+          <a:prstGeom prst="rect">
+            <a:avLst/>
+          </a:prstGeom>
+          <a:noFill/>
+        </p:spPr>
+        <p:txBody>
+          <a:bodyPr wrap="square" rtlCol="0">
+            <a:spAutoFit/>
+          </a:bodyPr>
+          <a:lstStyle/>
+          <a:p>
+            <a:r>
+              <a:rPr lang="zh-CN" altLang="en-US" dirty="0"/>
+              <a:t>移动过程</a:t>
+            </a:r>
+          </a:p>
+        </p:txBody>
+      </p:sp>
+      <p:sp>
+        <p:nvSpPr>
+          <p:cNvPr id="13" name="文本框 12">
+            <a:extLst>
+              <a:ext uri="{FF2B5EF4-FFF2-40B4-BE49-F238E27FC236}">
+                <a16:creationId xmlns:a16="http://schemas.microsoft.com/office/drawing/2014/main" id="{CE29005F-2F74-4B24-9916-3A50E17196E4}"/>
+              </a:ext>
+            </a:extLst>
+          </p:cNvPr>
+          <p:cNvSpPr txBox="1"/>
+          <p:nvPr/>
+        </p:nvSpPr>
+        <p:spPr>
+          <a:xfrm>
+            <a:off x="1218127" y="1451994"/>
+            <a:ext cx="5571187" cy="369332"/>
+          </a:xfrm>
+          <a:prstGeom prst="rect">
+            <a:avLst/>
+          </a:prstGeom>
+          <a:noFill/>
+        </p:spPr>
+        <p:txBody>
+          <a:bodyPr wrap="square" rtlCol="0">
+            <a:spAutoFit/>
+          </a:bodyPr>
+          <a:lstStyle/>
+          <a:p>
+            <a:r>
+              <a:rPr lang="en-US" altLang="zh-CN" dirty="0"/>
+              <a:t>   -8        -7                                   </a:t>
+            </a:r>
+            <a:r>
+              <a:rPr lang="en-US" altLang="zh-CN" sz="1600" b="1" dirty="0">
+                <a:solidFill>
+                  <a:srgbClr val="FF0000"/>
+                </a:solidFill>
+              </a:rPr>
+              <a:t>-11         </a:t>
+            </a:r>
+            <a:r>
+              <a:rPr lang="en-US" altLang="zh-CN" dirty="0"/>
+              <a:t>-10         -9</a:t>
+            </a:r>
+            <a:endParaRPr lang="zh-CN" altLang="en-US" dirty="0"/>
+          </a:p>
+        </p:txBody>
+      </p:sp>
+      <p:cxnSp>
+        <p:nvCxnSpPr>
+          <p:cNvPr id="14" name="直接连接符 13">
+            <a:extLst>
+              <a:ext uri="{FF2B5EF4-FFF2-40B4-BE49-F238E27FC236}">
+                <a16:creationId xmlns:a16="http://schemas.microsoft.com/office/drawing/2014/main" id="{CF54F4F9-5B9A-42C8-BA6D-014B614784CC}"/>
+              </a:ext>
+            </a:extLst>
+          </p:cNvPr>
+          <p:cNvCxnSpPr/>
+          <p:nvPr/>
+        </p:nvCxnSpPr>
+        <p:spPr>
+          <a:xfrm flipV="1">
+            <a:off x="2348248" y="1323100"/>
+            <a:ext cx="0" cy="956461"/>
+          </a:xfrm>
+          <a:prstGeom prst="line">
+            <a:avLst/>
+          </a:prstGeom>
+        </p:spPr>
+        <p:style>
+          <a:lnRef idx="1">
+            <a:schemeClr val="accent1"/>
+          </a:lnRef>
+          <a:fillRef idx="0">
+            <a:schemeClr val="accent1"/>
+          </a:fillRef>
+          <a:effectRef idx="0">
+            <a:schemeClr val="accent1"/>
+          </a:effectRef>
+          <a:fontRef idx="minor">
+            <a:schemeClr val="tx1"/>
+          </a:fontRef>
+        </p:style>
+      </p:cxnSp>
+      <p:cxnSp>
+        <p:nvCxnSpPr>
+          <p:cNvPr id="15" name="直接连接符 14">
+            <a:extLst>
+              <a:ext uri="{FF2B5EF4-FFF2-40B4-BE49-F238E27FC236}">
+                <a16:creationId xmlns:a16="http://schemas.microsoft.com/office/drawing/2014/main" id="{4CFF0BDA-0401-40E3-BB6F-817AD4574D7A}"/>
+              </a:ext>
+            </a:extLst>
+          </p:cNvPr>
+          <p:cNvCxnSpPr>
+            <a:cxnSpLocks/>
+          </p:cNvCxnSpPr>
+          <p:nvPr/>
+        </p:nvCxnSpPr>
+        <p:spPr>
+          <a:xfrm flipV="1">
+            <a:off x="3975280" y="1323100"/>
+            <a:ext cx="0" cy="1001120"/>
+          </a:xfrm>
+          <a:prstGeom prst="line">
+            <a:avLst/>
+          </a:prstGeom>
+        </p:spPr>
+        <p:style>
+          <a:lnRef idx="1">
+            <a:schemeClr val="accent1"/>
+          </a:lnRef>
+          <a:fillRef idx="0">
+            <a:schemeClr val="accent1"/>
+          </a:fillRef>
+          <a:effectRef idx="0">
+            <a:schemeClr val="accent1"/>
+          </a:effectRef>
+          <a:fontRef idx="minor">
+            <a:schemeClr val="tx1"/>
+          </a:fontRef>
+        </p:style>
+      </p:cxnSp>
+      <p:cxnSp>
+        <p:nvCxnSpPr>
+          <p:cNvPr id="16" name="直接箭头连接符 15">
+            <a:extLst>
+              <a:ext uri="{FF2B5EF4-FFF2-40B4-BE49-F238E27FC236}">
+                <a16:creationId xmlns:a16="http://schemas.microsoft.com/office/drawing/2014/main" id="{6C645971-1033-44AA-95C4-8437361DFEDE}"/>
+              </a:ext>
+            </a:extLst>
+          </p:cNvPr>
+          <p:cNvCxnSpPr/>
+          <p:nvPr/>
+        </p:nvCxnSpPr>
+        <p:spPr>
+          <a:xfrm>
+            <a:off x="2348248" y="1323100"/>
+            <a:ext cx="1655472" cy="0"/>
+          </a:xfrm>
+          <a:prstGeom prst="straightConnector1">
+            <a:avLst/>
+          </a:prstGeom>
+          <a:ln>
+            <a:headEnd type="triangle"/>
+            <a:tailEnd type="triangle"/>
+          </a:ln>
+        </p:spPr>
+        <p:style>
+          <a:lnRef idx="1">
+            <a:schemeClr val="accent1"/>
+          </a:lnRef>
+          <a:fillRef idx="0">
+            <a:schemeClr val="accent1"/>
+          </a:fillRef>
+          <a:effectRef idx="0">
+            <a:schemeClr val="accent1"/>
+          </a:effectRef>
+          <a:fontRef idx="minor">
+            <a:schemeClr val="tx1"/>
+          </a:fontRef>
+        </p:style>
+      </p:cxnSp>
+      <p:sp>
+        <p:nvSpPr>
+          <p:cNvPr id="17" name="文本框 16">
+            <a:extLst>
+              <a:ext uri="{FF2B5EF4-FFF2-40B4-BE49-F238E27FC236}">
+                <a16:creationId xmlns:a16="http://schemas.microsoft.com/office/drawing/2014/main" id="{54076567-D23B-4CE3-9E0A-E536A81883DA}"/>
+              </a:ext>
+            </a:extLst>
+          </p:cNvPr>
+          <p:cNvSpPr txBox="1"/>
+          <p:nvPr/>
+        </p:nvSpPr>
+        <p:spPr>
+          <a:xfrm>
+            <a:off x="2588653" y="783649"/>
+            <a:ext cx="1460656" cy="369332"/>
+          </a:xfrm>
+          <a:prstGeom prst="rect">
+            <a:avLst/>
+          </a:prstGeom>
+          <a:noFill/>
+        </p:spPr>
+        <p:txBody>
+          <a:bodyPr wrap="none" rtlCol="0">
+            <a:spAutoFit/>
+          </a:bodyPr>
+          <a:lstStyle/>
+          <a:p>
+            <a:r>
+              <a:rPr lang="en-US" altLang="zh-CN" dirty="0"/>
+              <a:t>-11 % 7 == 3</a:t>
+            </a:r>
+            <a:endParaRPr lang="zh-CN" altLang="en-US" dirty="0"/>
+          </a:p>
+        </p:txBody>
+      </p:sp>
+    </p:spTree>
+    <p:extLst>
+      <p:ext uri="{BB962C8B-B14F-4D97-AF65-F5344CB8AC3E}">
+        <p14:creationId xmlns:p14="http://schemas.microsoft.com/office/powerpoint/2010/main" val="155548021"/>
+      </p:ext>
+    </p:extLst>
+  </p:cSld>
+  <p:clrMapOvr>
+    <a:masterClrMapping/>
+  </p:clrMapOvr>
+</p:sld>
+</file>
+
 <file path=ppt/theme/theme1.xml><?xml version="1.0" encoding="utf-8"?>
 <a:theme xmlns:a="http://schemas.openxmlformats.org/drawingml/2006/main" name="Office 主题​​">
   <a:themeElements>
